--- a/Project_Presentation_DIP.pptx
+++ b/Project_Presentation_DIP.pptx
@@ -5,7 +5,7 @@
     <p:sldMasterId id="2147483648" r:id="rId1"/>
   </p:sldMasterIdLst>
   <p:notesMasterIdLst>
-    <p:notesMasterId r:id="rId10"/>
+    <p:notesMasterId r:id="rId11"/>
   </p:notesMasterIdLst>
   <p:sldIdLst>
     <p:sldId id="256" r:id="rId2"/>
@@ -15,7 +15,8 @@
     <p:sldId id="260" r:id="rId6"/>
     <p:sldId id="261" r:id="rId7"/>
     <p:sldId id="262" r:id="rId8"/>
-    <p:sldId id="263" r:id="rId9"/>
+    <p:sldId id="264" r:id="rId9"/>
+    <p:sldId id="263" r:id="rId10"/>
   </p:sldIdLst>
   <p:sldSz cx="12192000" cy="6858000"/>
   <p:notesSz cx="6858000" cy="9144000"/>
@@ -20750,7 +20751,7 @@
           <a:p>
             <a:fld id="{6D56B296-D8BC-40CB-88B8-7C7B9967ED97}" type="datetimeFigureOut">
               <a:rPr lang="en-PK" smtClean="0"/>
-              <a:t>02/06/2025</a:t>
+              <a:t>03/06/2025</a:t>
             </a:fld>
             <a:endParaRPr lang="en-PK"/>
           </a:p>
@@ -21584,7 +21585,7 @@
           <a:p>
             <a:fld id="{D6D0F569-AC90-44EB-9EF4-4E5C2F5D823C}" type="datetime1">
               <a:rPr lang="en-US" smtClean="0"/>
-              <a:t>6/2/2025</a:t>
+              <a:t>6/3/2025</a:t>
             </a:fld>
             <a:endParaRPr lang="en-US" dirty="0"/>
           </a:p>
@@ -21719,13 +21720,13 @@
   <p:clrMapOvr>
     <a:masterClrMapping/>
   </p:clrMapOvr>
-  <mc:AlternateContent xmlns:mc="http://schemas.openxmlformats.org/markup-compatibility/2006">
-    <mc:Choice xmlns:p159="http://schemas.microsoft.com/office/powerpoint/2015/09/main" Requires="p159">
+  <mc:AlternateContent xmlns:mc="http://schemas.openxmlformats.org/markup-compatibility/2006" xmlns:p159="http://schemas.microsoft.com/office/powerpoint/2015/09/main">
+    <mc:Choice Requires="p159">
       <p:transition xmlns:p14="http://schemas.microsoft.com/office/powerpoint/2010/main" spd="slow" p14:dur="2000">
         <p159:morph option="byObject"/>
       </p:transition>
     </mc:Choice>
-    <mc:Fallback>
+    <mc:Fallback xmlns="">
       <p:transition spd="slow">
         <p:fade/>
       </p:transition>
@@ -22275,7 +22276,7 @@
           <a:p>
             <a:fld id="{46BA7D41-E8B7-4A0B-B861-3EC4AE88917D}" type="datetime1">
               <a:rPr lang="en-US" smtClean="0"/>
-              <a:t>6/2/2025</a:t>
+              <a:t>6/3/2025</a:t>
             </a:fld>
             <a:endParaRPr lang="en-US" dirty="0"/>
           </a:p>
@@ -22410,13 +22411,13 @@
   <p:clrMapOvr>
     <a:masterClrMapping/>
   </p:clrMapOvr>
-  <mc:AlternateContent xmlns:mc="http://schemas.openxmlformats.org/markup-compatibility/2006">
-    <mc:Choice xmlns:p159="http://schemas.microsoft.com/office/powerpoint/2015/09/main" Requires="p159">
+  <mc:AlternateContent xmlns:mc="http://schemas.openxmlformats.org/markup-compatibility/2006" xmlns:p159="http://schemas.microsoft.com/office/powerpoint/2015/09/main">
+    <mc:Choice Requires="p159">
       <p:transition xmlns:p14="http://schemas.microsoft.com/office/powerpoint/2010/main" spd="slow" p14:dur="2000">
         <p159:morph option="byObject"/>
       </p:transition>
     </mc:Choice>
-    <mc:Fallback>
+    <mc:Fallback xmlns="">
       <p:transition spd="slow">
         <p:fade/>
       </p:transition>
@@ -22976,7 +22977,7 @@
           <a:p>
             <a:fld id="{A7C34823-0B19-4B4E-A643-7A3B0A3D24D6}" type="datetime1">
               <a:rPr lang="en-US" smtClean="0"/>
-              <a:t>6/2/2025</a:t>
+              <a:t>6/3/2025</a:t>
             </a:fld>
             <a:endParaRPr lang="en-US" dirty="0"/>
           </a:p>
@@ -23111,13 +23112,13 @@
   <p:clrMapOvr>
     <a:masterClrMapping/>
   </p:clrMapOvr>
-  <mc:AlternateContent xmlns:mc="http://schemas.openxmlformats.org/markup-compatibility/2006">
-    <mc:Choice xmlns:p159="http://schemas.microsoft.com/office/powerpoint/2015/09/main" Requires="p159">
+  <mc:AlternateContent xmlns:mc="http://schemas.openxmlformats.org/markup-compatibility/2006" xmlns:p159="http://schemas.microsoft.com/office/powerpoint/2015/09/main">
+    <mc:Choice Requires="p159">
       <p:transition xmlns:p14="http://schemas.microsoft.com/office/powerpoint/2010/main" spd="slow" p14:dur="2000">
         <p159:morph option="byObject"/>
       </p:transition>
     </mc:Choice>
-    <mc:Fallback>
+    <mc:Fallback xmlns="">
       <p:transition spd="slow">
         <p:fade/>
       </p:transition>
@@ -23670,7 +23671,7 @@
           <a:p>
             <a:fld id="{8C2D79EF-17C8-45D8-9866-DAF5723FC604}" type="datetime1">
               <a:rPr lang="en-US" smtClean="0"/>
-              <a:t>6/2/2025</a:t>
+              <a:t>6/3/2025</a:t>
             </a:fld>
             <a:endParaRPr lang="en-US" dirty="0"/>
           </a:p>
@@ -23805,13 +23806,13 @@
   <p:clrMapOvr>
     <a:masterClrMapping/>
   </p:clrMapOvr>
-  <mc:AlternateContent xmlns:mc="http://schemas.openxmlformats.org/markup-compatibility/2006">
-    <mc:Choice xmlns:p159="http://schemas.microsoft.com/office/powerpoint/2015/09/main" Requires="p159">
+  <mc:AlternateContent xmlns:mc="http://schemas.openxmlformats.org/markup-compatibility/2006" xmlns:p159="http://schemas.microsoft.com/office/powerpoint/2015/09/main">
+    <mc:Choice Requires="p159">
       <p:transition xmlns:p14="http://schemas.microsoft.com/office/powerpoint/2010/main" spd="slow" p14:dur="2000">
         <p159:morph option="byObject"/>
       </p:transition>
     </mc:Choice>
-    <mc:Fallback>
+    <mc:Fallback xmlns="">
       <p:transition spd="slow">
         <p:fade/>
       </p:transition>
@@ -24437,7 +24438,7 @@
           <a:p>
             <a:fld id="{DFFC2ADC-3680-4013-A757-E4663495DB98}" type="datetime1">
               <a:rPr lang="en-US" smtClean="0"/>
-              <a:t>6/2/2025</a:t>
+              <a:t>6/3/2025</a:t>
             </a:fld>
             <a:endParaRPr lang="en-US" dirty="0"/>
           </a:p>
@@ -24572,13 +24573,13 @@
   <p:clrMapOvr>
     <a:masterClrMapping/>
   </p:clrMapOvr>
-  <mc:AlternateContent xmlns:mc="http://schemas.openxmlformats.org/markup-compatibility/2006">
-    <mc:Choice xmlns:p159="http://schemas.microsoft.com/office/powerpoint/2015/09/main" Requires="p159">
+  <mc:AlternateContent xmlns:mc="http://schemas.openxmlformats.org/markup-compatibility/2006" xmlns:p159="http://schemas.microsoft.com/office/powerpoint/2015/09/main">
+    <mc:Choice Requires="p159">
       <p:transition xmlns:p14="http://schemas.microsoft.com/office/powerpoint/2010/main" spd="slow" p14:dur="2000">
         <p159:morph option="byObject"/>
       </p:transition>
     </mc:Choice>
-    <mc:Fallback>
+    <mc:Fallback xmlns="">
       <p:transition spd="slow">
         <p:fade/>
       </p:transition>
@@ -25196,7 +25197,7 @@
           <a:p>
             <a:fld id="{4751BA94-5DCA-4F19-960F-0FB2BD5EE85A}" type="datetime1">
               <a:rPr lang="en-US" smtClean="0"/>
-              <a:t>6/2/2025</a:t>
+              <a:t>6/3/2025</a:t>
             </a:fld>
             <a:endParaRPr lang="en-US" dirty="0"/>
           </a:p>
@@ -25331,13 +25332,13 @@
   <p:clrMapOvr>
     <a:masterClrMapping/>
   </p:clrMapOvr>
-  <mc:AlternateContent xmlns:mc="http://schemas.openxmlformats.org/markup-compatibility/2006">
-    <mc:Choice xmlns:p159="http://schemas.microsoft.com/office/powerpoint/2015/09/main" Requires="p159">
+  <mc:AlternateContent xmlns:mc="http://schemas.openxmlformats.org/markup-compatibility/2006" xmlns:p159="http://schemas.microsoft.com/office/powerpoint/2015/09/main">
+    <mc:Choice Requires="p159">
       <p:transition xmlns:p14="http://schemas.microsoft.com/office/powerpoint/2010/main" spd="slow" p14:dur="2000">
         <p159:morph option="byObject"/>
       </p:transition>
     </mc:Choice>
-    <mc:Fallback>
+    <mc:Fallback xmlns="">
       <p:transition spd="slow">
         <p:fade/>
       </p:transition>
@@ -26102,7 +26103,7 @@
           <a:p>
             <a:fld id="{01BED947-38D9-44AC-8B89-E79758333B77}" type="datetime1">
               <a:rPr lang="en-US" smtClean="0"/>
-              <a:t>6/2/2025</a:t>
+              <a:t>6/3/2025</a:t>
             </a:fld>
             <a:endParaRPr lang="en-US" dirty="0"/>
           </a:p>
@@ -26237,13 +26238,13 @@
   <p:clrMapOvr>
     <a:masterClrMapping/>
   </p:clrMapOvr>
-  <mc:AlternateContent xmlns:mc="http://schemas.openxmlformats.org/markup-compatibility/2006">
-    <mc:Choice xmlns:p159="http://schemas.microsoft.com/office/powerpoint/2015/09/main" Requires="p159">
+  <mc:AlternateContent xmlns:mc="http://schemas.openxmlformats.org/markup-compatibility/2006" xmlns:p159="http://schemas.microsoft.com/office/powerpoint/2015/09/main">
+    <mc:Choice Requires="p159">
       <p:transition xmlns:p14="http://schemas.microsoft.com/office/powerpoint/2010/main" spd="slow" p14:dur="2000">
         <p159:morph option="byObject"/>
       </p:transition>
     </mc:Choice>
-    <mc:Fallback>
+    <mc:Fallback xmlns="">
       <p:transition spd="slow">
         <p:fade/>
       </p:transition>
@@ -26735,7 +26736,7 @@
           <a:p>
             <a:fld id="{3781E23F-BD3C-4F23-B116-2B758120C8AC}" type="datetime1">
               <a:rPr lang="en-US" smtClean="0"/>
-              <a:t>6/2/2025</a:t>
+              <a:t>6/3/2025</a:t>
             </a:fld>
             <a:endParaRPr lang="en-US" dirty="0"/>
           </a:p>
@@ -26870,13 +26871,13 @@
   <p:clrMapOvr>
     <a:masterClrMapping/>
   </p:clrMapOvr>
-  <mc:AlternateContent xmlns:mc="http://schemas.openxmlformats.org/markup-compatibility/2006">
-    <mc:Choice xmlns:p159="http://schemas.microsoft.com/office/powerpoint/2015/09/main" Requires="p159">
+  <mc:AlternateContent xmlns:mc="http://schemas.openxmlformats.org/markup-compatibility/2006" xmlns:p159="http://schemas.microsoft.com/office/powerpoint/2015/09/main">
+    <mc:Choice Requires="p159">
       <p:transition xmlns:p14="http://schemas.microsoft.com/office/powerpoint/2010/main" spd="slow" p14:dur="2000">
         <p159:morph option="byObject"/>
       </p:transition>
     </mc:Choice>
-    <mc:Fallback>
+    <mc:Fallback xmlns="">
       <p:transition spd="slow">
         <p:fade/>
       </p:transition>
@@ -27339,7 +27340,7 @@
           <a:p>
             <a:fld id="{473CFAA9-6D59-4D98-869E-ACBDB83B2CA4}" type="datetime1">
               <a:rPr lang="en-US" smtClean="0"/>
-              <a:t>6/2/2025</a:t>
+              <a:t>6/3/2025</a:t>
             </a:fld>
             <a:endParaRPr lang="en-US"/>
           </a:p>
@@ -27474,13 +27475,13 @@
   <p:clrMapOvr>
     <a:masterClrMapping/>
   </p:clrMapOvr>
-  <mc:AlternateContent xmlns:mc="http://schemas.openxmlformats.org/markup-compatibility/2006">
-    <mc:Choice xmlns:p159="http://schemas.microsoft.com/office/powerpoint/2015/09/main" Requires="p159">
+  <mc:AlternateContent xmlns:mc="http://schemas.openxmlformats.org/markup-compatibility/2006" xmlns:p159="http://schemas.microsoft.com/office/powerpoint/2015/09/main">
+    <mc:Choice Requires="p159">
       <p:transition xmlns:p14="http://schemas.microsoft.com/office/powerpoint/2010/main" spd="slow" p14:dur="2000">
         <p159:morph option="byObject"/>
       </p:transition>
     </mc:Choice>
-    <mc:Fallback>
+    <mc:Fallback xmlns="">
       <p:transition spd="slow">
         <p:fade/>
       </p:transition>
@@ -28143,7 +28144,7 @@
           <a:p>
             <a:fld id="{DC410804-27E3-430A-BB42-B831260DE39A}" type="datetime1">
               <a:rPr lang="en-US" smtClean="0"/>
-              <a:t>6/2/2025</a:t>
+              <a:t>6/3/2025</a:t>
             </a:fld>
             <a:endParaRPr lang="en-US" dirty="0"/>
           </a:p>
@@ -28278,13 +28279,13 @@
   <p:clrMapOvr>
     <a:masterClrMapping/>
   </p:clrMapOvr>
-  <mc:AlternateContent xmlns:mc="http://schemas.openxmlformats.org/markup-compatibility/2006">
-    <mc:Choice xmlns:p159="http://schemas.microsoft.com/office/powerpoint/2015/09/main" Requires="p159">
+  <mc:AlternateContent xmlns:mc="http://schemas.openxmlformats.org/markup-compatibility/2006" xmlns:p159="http://schemas.microsoft.com/office/powerpoint/2015/09/main">
+    <mc:Choice Requires="p159">
       <p:transition xmlns:p14="http://schemas.microsoft.com/office/powerpoint/2010/main" spd="slow" p14:dur="2000">
         <p159:morph option="byObject"/>
       </p:transition>
     </mc:Choice>
-    <mc:Fallback>
+    <mc:Fallback xmlns="">
       <p:transition spd="slow">
         <p:fade/>
       </p:transition>
@@ -28926,7 +28927,7 @@
           <a:p>
             <a:fld id="{60E22DE3-3D1A-4D53-B9A6-6C7463B8C992}" type="datetime1">
               <a:rPr lang="en-US" smtClean="0"/>
-              <a:t>6/2/2025</a:t>
+              <a:t>6/3/2025</a:t>
             </a:fld>
             <a:endParaRPr lang="en-US" dirty="0"/>
           </a:p>
@@ -29061,13 +29062,13 @@
   <p:clrMapOvr>
     <a:masterClrMapping/>
   </p:clrMapOvr>
-  <mc:AlternateContent xmlns:mc="http://schemas.openxmlformats.org/markup-compatibility/2006">
-    <mc:Choice xmlns:p159="http://schemas.microsoft.com/office/powerpoint/2015/09/main" Requires="p159">
+  <mc:AlternateContent xmlns:mc="http://schemas.openxmlformats.org/markup-compatibility/2006" xmlns:p159="http://schemas.microsoft.com/office/powerpoint/2015/09/main">
+    <mc:Choice Requires="p159">
       <p:transition xmlns:p14="http://schemas.microsoft.com/office/powerpoint/2010/main" spd="slow" p14:dur="2000">
         <p159:morph option="byObject"/>
       </p:transition>
     </mc:Choice>
-    <mc:Fallback>
+    <mc:Fallback xmlns="">
       <p:transition spd="slow">
         <p:fade/>
       </p:transition>
@@ -29249,7 +29250,7 @@
             <a:fld id="{5ECD8B30-1B71-45A1-8314-D59C86F581E1}" type="datetime1">
               <a:rPr lang="en-US" smtClean="0"/>
               <a:pPr/>
-              <a:t>6/2/2025</a:t>
+              <a:t>6/3/2025</a:t>
             </a:fld>
             <a:endParaRPr lang="en-US" b="1" dirty="0"/>
           </a:p>
@@ -29375,13 +29376,13 @@
     <p:sldLayoutId id="2147483658" r:id="rId10"/>
     <p:sldLayoutId id="2147483659" r:id="rId11"/>
   </p:sldLayoutIdLst>
-  <mc:AlternateContent xmlns:mc="http://schemas.openxmlformats.org/markup-compatibility/2006">
-    <mc:Choice xmlns:p159="http://schemas.microsoft.com/office/powerpoint/2015/09/main" Requires="p159">
+  <mc:AlternateContent xmlns:mc="http://schemas.openxmlformats.org/markup-compatibility/2006" xmlns:p159="http://schemas.microsoft.com/office/powerpoint/2015/09/main">
+    <mc:Choice Requires="p159">
       <p:transition xmlns:p14="http://schemas.microsoft.com/office/powerpoint/2010/main" spd="slow" p14:dur="2000">
         <p159:morph option="byObject"/>
       </p:transition>
     </mc:Choice>
-    <mc:Fallback>
+    <mc:Fallback xmlns="">
       <p:transition spd="slow">
         <p:fade/>
       </p:transition>
@@ -29935,7 +29936,7 @@
           <a:p>
             <a:fld id="{C5FF913D-270B-4091-A101-438B0B6B9409}" type="datetime2">
               <a:rPr lang="en-US" smtClean="0"/>
-              <a:t>Monday, June 2, 2025</a:t>
+              <a:t>Tuesday, June 3, 2025</a:t>
             </a:fld>
             <a:endParaRPr lang="en-US" dirty="0"/>
           </a:p>
@@ -29951,13 +29952,13 @@
   <p:clrMapOvr>
     <a:masterClrMapping/>
   </p:clrMapOvr>
-  <mc:AlternateContent xmlns:mc="http://schemas.openxmlformats.org/markup-compatibility/2006">
-    <mc:Choice xmlns:p159="http://schemas.microsoft.com/office/powerpoint/2015/09/main" Requires="p159">
+  <mc:AlternateContent xmlns:mc="http://schemas.openxmlformats.org/markup-compatibility/2006" xmlns:p159="http://schemas.microsoft.com/office/powerpoint/2015/09/main">
+    <mc:Choice Requires="p159">
       <p:transition xmlns:p14="http://schemas.microsoft.com/office/powerpoint/2010/main" spd="slow" p14:dur="2000">
         <p159:morph option="byObject"/>
       </p:transition>
     </mc:Choice>
-    <mc:Fallback>
+    <mc:Fallback xmlns="">
       <p:transition spd="slow">
         <p:fade/>
       </p:transition>
@@ -30057,13 +30058,13 @@
   <p:clrMapOvr>
     <a:masterClrMapping/>
   </p:clrMapOvr>
-  <mc:AlternateContent xmlns:mc="http://schemas.openxmlformats.org/markup-compatibility/2006">
-    <mc:Choice xmlns:p159="http://schemas.microsoft.com/office/powerpoint/2015/09/main" Requires="p159">
+  <mc:AlternateContent xmlns:mc="http://schemas.openxmlformats.org/markup-compatibility/2006" xmlns:p159="http://schemas.microsoft.com/office/powerpoint/2015/09/main">
+    <mc:Choice Requires="p159">
       <p:transition xmlns:p14="http://schemas.microsoft.com/office/powerpoint/2010/main" spd="slow" p14:dur="2000">
         <p159:morph option="byObject"/>
       </p:transition>
     </mc:Choice>
-    <mc:Fallback>
+    <mc:Fallback xmlns="">
       <p:transition spd="slow">
         <p:fade/>
       </p:transition>
@@ -30576,13 +30577,13 @@
   <p:clrMapOvr>
     <a:masterClrMapping/>
   </p:clrMapOvr>
-  <mc:AlternateContent xmlns:mc="http://schemas.openxmlformats.org/markup-compatibility/2006">
-    <mc:Choice xmlns:p159="http://schemas.microsoft.com/office/powerpoint/2015/09/main" Requires="p159">
+  <mc:AlternateContent xmlns:mc="http://schemas.openxmlformats.org/markup-compatibility/2006" xmlns:p159="http://schemas.microsoft.com/office/powerpoint/2015/09/main">
+    <mc:Choice Requires="p159">
       <p:transition xmlns:p14="http://schemas.microsoft.com/office/powerpoint/2010/main" spd="slow" p14:dur="2000">
         <p159:morph option="byObject"/>
       </p:transition>
     </mc:Choice>
-    <mc:Fallback>
+    <mc:Fallback xmlns="">
       <p:transition spd="slow">
         <p:fade/>
       </p:transition>
@@ -32054,13 +32055,13 @@
   <p:clrMapOvr>
     <a:masterClrMapping/>
   </p:clrMapOvr>
-  <mc:AlternateContent xmlns:mc="http://schemas.openxmlformats.org/markup-compatibility/2006">
-    <mc:Choice xmlns:p159="http://schemas.microsoft.com/office/powerpoint/2015/09/main" Requires="p159">
+  <mc:AlternateContent xmlns:mc="http://schemas.openxmlformats.org/markup-compatibility/2006" xmlns:p159="http://schemas.microsoft.com/office/powerpoint/2015/09/main">
+    <mc:Choice Requires="p159">
       <p:transition xmlns:p14="http://schemas.microsoft.com/office/powerpoint/2010/main" spd="slow" p14:dur="2000">
         <p159:morph option="byObject"/>
       </p:transition>
     </mc:Choice>
-    <mc:Fallback>
+    <mc:Fallback xmlns="">
       <p:transition spd="slow">
         <p:fade/>
       </p:transition>
@@ -33169,13 +33170,13 @@
   <p:clrMapOvr>
     <a:masterClrMapping/>
   </p:clrMapOvr>
-  <mc:AlternateContent xmlns:mc="http://schemas.openxmlformats.org/markup-compatibility/2006">
-    <mc:Choice xmlns:p159="http://schemas.microsoft.com/office/powerpoint/2015/09/main" Requires="p159">
+  <mc:AlternateContent xmlns:mc="http://schemas.openxmlformats.org/markup-compatibility/2006" xmlns:p159="http://schemas.microsoft.com/office/powerpoint/2015/09/main">
+    <mc:Choice Requires="p159">
       <p:transition xmlns:p14="http://schemas.microsoft.com/office/powerpoint/2010/main" spd="slow" p14:dur="2000">
         <p159:morph option="byObject"/>
       </p:transition>
     </mc:Choice>
-    <mc:Fallback>
+    <mc:Fallback xmlns="">
       <p:transition spd="slow">
         <p:fade/>
       </p:transition>
@@ -34040,13 +34041,13 @@
   <p:clrMapOvr>
     <a:masterClrMapping/>
   </p:clrMapOvr>
-  <mc:AlternateContent xmlns:mc="http://schemas.openxmlformats.org/markup-compatibility/2006">
-    <mc:Choice xmlns:p159="http://schemas.microsoft.com/office/powerpoint/2015/09/main" Requires="p159">
+  <mc:AlternateContent xmlns:mc="http://schemas.openxmlformats.org/markup-compatibility/2006" xmlns:p159="http://schemas.microsoft.com/office/powerpoint/2015/09/main">
+    <mc:Choice Requires="p159">
       <p:transition xmlns:p14="http://schemas.microsoft.com/office/powerpoint/2010/main" spd="slow" p14:dur="2000">
         <p159:morph option="byObject"/>
       </p:transition>
     </mc:Choice>
-    <mc:Fallback>
+    <mc:Fallback xmlns="">
       <p:transition spd="slow">
         <p:fade/>
       </p:transition>
@@ -35411,6 +35412,501 @@
             <a:pPr algn="ctr"/>
             <a:r>
               <a:rPr lang="en-US" dirty="0"/>
+              <a:t>NEW UI VS OLD UI</a:t>
+            </a:r>
+            <a:endParaRPr lang="en-PK" dirty="0"/>
+          </a:p>
+        </p:txBody>
+      </p:sp>
+      <p:sp>
+        <p:nvSpPr>
+          <p:cNvPr id="8" name="TextBox 7">
+            <a:extLst>
+              <a:ext uri="{FF2B5EF4-FFF2-40B4-BE49-F238E27FC236}">
+                <a16:creationId xmlns:a16="http://schemas.microsoft.com/office/drawing/2014/main" id="{B60E4F0F-224A-9D29-86E2-79C2290D2903}"/>
+              </a:ext>
+            </a:extLst>
+          </p:cNvPr>
+          <p:cNvSpPr txBox="1"/>
+          <p:nvPr/>
+        </p:nvSpPr>
+        <p:spPr>
+          <a:xfrm>
+            <a:off x="2867630" y="5087091"/>
+            <a:ext cx="838691" cy="369332"/>
+          </a:xfrm>
+          <a:prstGeom prst="rect">
+            <a:avLst/>
+          </a:prstGeom>
+          <a:noFill/>
+        </p:spPr>
+        <p:txBody>
+          <a:bodyPr wrap="none" rtlCol="0">
+            <a:spAutoFit/>
+          </a:bodyPr>
+          <a:lstStyle/>
+          <a:p>
+            <a:pPr algn="ctr"/>
+            <a:r>
+              <a:rPr lang="en-US" dirty="0"/>
+              <a:t>Old UI</a:t>
+            </a:r>
+            <a:endParaRPr lang="en-PK" dirty="0"/>
+          </a:p>
+        </p:txBody>
+      </p:sp>
+      <p:sp>
+        <p:nvSpPr>
+          <p:cNvPr id="9" name="TextBox 8">
+            <a:extLst>
+              <a:ext uri="{FF2B5EF4-FFF2-40B4-BE49-F238E27FC236}">
+                <a16:creationId xmlns:a16="http://schemas.microsoft.com/office/drawing/2014/main" id="{3999942C-46BA-44F6-97D0-33CAE40C3F56}"/>
+              </a:ext>
+            </a:extLst>
+          </p:cNvPr>
+          <p:cNvSpPr txBox="1"/>
+          <p:nvPr/>
+        </p:nvSpPr>
+        <p:spPr>
+          <a:xfrm>
+            <a:off x="8536170" y="5087091"/>
+            <a:ext cx="941284" cy="369332"/>
+          </a:xfrm>
+          <a:prstGeom prst="rect">
+            <a:avLst/>
+          </a:prstGeom>
+          <a:noFill/>
+        </p:spPr>
+        <p:txBody>
+          <a:bodyPr wrap="none" rtlCol="0">
+            <a:spAutoFit/>
+          </a:bodyPr>
+          <a:lstStyle/>
+          <a:p>
+            <a:pPr algn="ctr"/>
+            <a:r>
+              <a:rPr lang="en-US" dirty="0"/>
+              <a:t>New UI</a:t>
+            </a:r>
+            <a:endParaRPr lang="en-PK" dirty="0"/>
+          </a:p>
+        </p:txBody>
+      </p:sp>
+      <p:pic>
+        <p:nvPicPr>
+          <p:cNvPr id="2" name="Picture 1" descr="A screenshot of a computer&#10;&#10;Description automatically generated">
+            <a:extLst>
+              <a:ext uri="{FF2B5EF4-FFF2-40B4-BE49-F238E27FC236}">
+                <a16:creationId xmlns:a16="http://schemas.microsoft.com/office/drawing/2014/main" id="{1E033195-F851-1947-4E1C-EB4268E581DC}"/>
+              </a:ext>
+            </a:extLst>
+          </p:cNvPr>
+          <p:cNvPicPr>
+            <a:picLocks noChangeAspect="1"/>
+          </p:cNvPicPr>
+          <p:nvPr/>
+        </p:nvPicPr>
+        <p:blipFill>
+          <a:blip r:embed="rId2"/>
+          <a:stretch>
+            <a:fillRect/>
+          </a:stretch>
+        </p:blipFill>
+        <p:spPr>
+          <a:xfrm>
+            <a:off x="543208" y="2021705"/>
+            <a:ext cx="5487536" cy="2972228"/>
+          </a:xfrm>
+          <a:prstGeom prst="rect">
+            <a:avLst/>
+          </a:prstGeom>
+        </p:spPr>
+      </p:pic>
+      <p:pic>
+        <p:nvPicPr>
+          <p:cNvPr id="13" name="Picture 12">
+            <a:extLst>
+              <a:ext uri="{FF2B5EF4-FFF2-40B4-BE49-F238E27FC236}">
+                <a16:creationId xmlns:a16="http://schemas.microsoft.com/office/drawing/2014/main" id="{24917CFC-4A3C-C48A-78A3-F05CE5B0A1AF}"/>
+              </a:ext>
+            </a:extLst>
+          </p:cNvPr>
+          <p:cNvPicPr>
+            <a:picLocks noChangeAspect="1"/>
+          </p:cNvPicPr>
+          <p:nvPr/>
+        </p:nvPicPr>
+        <p:blipFill>
+          <a:blip r:embed="rId3"/>
+          <a:stretch>
+            <a:fillRect/>
+          </a:stretch>
+        </p:blipFill>
+        <p:spPr>
+          <a:xfrm>
+            <a:off x="6364833" y="2021705"/>
+            <a:ext cx="5283959" cy="2972228"/>
+          </a:xfrm>
+          <a:prstGeom prst="rect">
+            <a:avLst/>
+          </a:prstGeom>
+        </p:spPr>
+      </p:pic>
+    </p:spTree>
+    <p:extLst>
+      <p:ext uri="{BB962C8B-B14F-4D97-AF65-F5344CB8AC3E}">
+        <p14:creationId xmlns:p14="http://schemas.microsoft.com/office/powerpoint/2010/main" val="2552481721"/>
+      </p:ext>
+    </p:extLst>
+  </p:cSld>
+  <p:clrMapOvr>
+    <a:masterClrMapping/>
+  </p:clrMapOvr>
+  <mc:AlternateContent xmlns:mc="http://schemas.openxmlformats.org/markup-compatibility/2006" xmlns:p159="http://schemas.microsoft.com/office/powerpoint/2015/09/main">
+    <mc:Choice Requires="p159">
+      <p:transition xmlns:p14="http://schemas.microsoft.com/office/powerpoint/2010/main" spd="slow" p14:dur="2000">
+        <p159:morph option="byObject"/>
+      </p:transition>
+    </mc:Choice>
+    <mc:Fallback xmlns="">
+      <p:transition spd="slow">
+        <p:fade/>
+      </p:transition>
+    </mc:Fallback>
+  </mc:AlternateContent>
+  <p:timing>
+    <p:tnLst>
+      <p:par>
+        <p:cTn id="1" dur="indefinite" restart="never" nodeType="tmRoot">
+          <p:childTnLst>
+            <p:seq concurrent="1" nextAc="seek">
+              <p:cTn id="2" dur="indefinite" nodeType="mainSeq">
+                <p:childTnLst>
+                  <p:par>
+                    <p:cTn id="3" fill="hold">
+                      <p:stCondLst>
+                        <p:cond delay="indefinite"/>
+                        <p:cond evt="onBegin" delay="0">
+                          <p:tn val="2"/>
+                        </p:cond>
+                      </p:stCondLst>
+                      <p:childTnLst>
+                        <p:par>
+                          <p:cTn id="4" fill="hold">
+                            <p:stCondLst>
+                              <p:cond delay="0"/>
+                            </p:stCondLst>
+                            <p:childTnLst>
+                              <p:par>
+                                <p:cTn id="5" presetID="2" presetClass="entr" presetSubtype="4" accel="20000" decel="80000" fill="hold" nodeType="withEffect">
+                                  <p:stCondLst>
+                                    <p:cond delay="0"/>
+                                  </p:stCondLst>
+                                  <p:childTnLst>
+                                    <p:set>
+                                      <p:cBhvr>
+                                        <p:cTn id="6" dur="1" fill="hold">
+                                          <p:stCondLst>
+                                            <p:cond delay="0"/>
+                                          </p:stCondLst>
+                                        </p:cTn>
+                                        <p:tgtEl>
+                                          <p:spTgt spid="2"/>
+                                        </p:tgtEl>
+                                        <p:attrNameLst>
+                                          <p:attrName>style.visibility</p:attrName>
+                                        </p:attrNameLst>
+                                      </p:cBhvr>
+                                      <p:to>
+                                        <p:strVal val="visible"/>
+                                      </p:to>
+                                    </p:set>
+                                    <p:anim calcmode="lin" valueType="num">
+                                      <p:cBhvr additive="base">
+                                        <p:cTn id="7" dur="500" fill="hold"/>
+                                        <p:tgtEl>
+                                          <p:spTgt spid="2"/>
+                                        </p:tgtEl>
+                                        <p:attrNameLst>
+                                          <p:attrName>ppt_x</p:attrName>
+                                        </p:attrNameLst>
+                                      </p:cBhvr>
+                                      <p:tavLst>
+                                        <p:tav tm="0">
+                                          <p:val>
+                                            <p:strVal val="#ppt_x"/>
+                                          </p:val>
+                                        </p:tav>
+                                        <p:tav tm="100000">
+                                          <p:val>
+                                            <p:strVal val="#ppt_x"/>
+                                          </p:val>
+                                        </p:tav>
+                                      </p:tavLst>
+                                    </p:anim>
+                                    <p:anim calcmode="lin" valueType="num">
+                                      <p:cBhvr additive="base">
+                                        <p:cTn id="8" dur="500" fill="hold"/>
+                                        <p:tgtEl>
+                                          <p:spTgt spid="2"/>
+                                        </p:tgtEl>
+                                        <p:attrNameLst>
+                                          <p:attrName>ppt_y</p:attrName>
+                                        </p:attrNameLst>
+                                      </p:cBhvr>
+                                      <p:tavLst>
+                                        <p:tav tm="0">
+                                          <p:val>
+                                            <p:strVal val="1+#ppt_h/2"/>
+                                          </p:val>
+                                        </p:tav>
+                                        <p:tav tm="100000">
+                                          <p:val>
+                                            <p:strVal val="#ppt_y"/>
+                                          </p:val>
+                                        </p:tav>
+                                      </p:tavLst>
+                                    </p:anim>
+                                  </p:childTnLst>
+                                </p:cTn>
+                              </p:par>
+                              <p:par>
+                                <p:cTn id="9" presetID="10" presetClass="entr" presetSubtype="0" fill="hold" nodeType="withEffect">
+                                  <p:stCondLst>
+                                    <p:cond delay="0"/>
+                                  </p:stCondLst>
+                                  <p:childTnLst>
+                                    <p:set>
+                                      <p:cBhvr>
+                                        <p:cTn id="10" dur="1" fill="hold">
+                                          <p:stCondLst>
+                                            <p:cond delay="0"/>
+                                          </p:stCondLst>
+                                        </p:cTn>
+                                        <p:tgtEl>
+                                          <p:spTgt spid="2"/>
+                                        </p:tgtEl>
+                                        <p:attrNameLst>
+                                          <p:attrName>style.visibility</p:attrName>
+                                        </p:attrNameLst>
+                                      </p:cBhvr>
+                                      <p:to>
+                                        <p:strVal val="visible"/>
+                                      </p:to>
+                                    </p:set>
+                                    <p:animEffect transition="in" filter="fade">
+                                      <p:cBhvr>
+                                        <p:cTn id="11" dur="500"/>
+                                        <p:tgtEl>
+                                          <p:spTgt spid="2"/>
+                                        </p:tgtEl>
+                                      </p:cBhvr>
+                                    </p:animEffect>
+                                  </p:childTnLst>
+                                </p:cTn>
+                              </p:par>
+                            </p:childTnLst>
+                          </p:cTn>
+                        </p:par>
+                        <p:par>
+                          <p:cTn id="12" fill="hold">
+                            <p:stCondLst>
+                              <p:cond delay="500"/>
+                            </p:stCondLst>
+                            <p:childTnLst>
+                              <p:par>
+                                <p:cTn id="13" presetID="2" presetClass="entr" presetSubtype="4" accel="20000" decel="80000" fill="hold" nodeType="afterEffect">
+                                  <p:stCondLst>
+                                    <p:cond delay="0"/>
+                                  </p:stCondLst>
+                                  <p:childTnLst>
+                                    <p:set>
+                                      <p:cBhvr>
+                                        <p:cTn id="14" dur="1" fill="hold">
+                                          <p:stCondLst>
+                                            <p:cond delay="0"/>
+                                          </p:stCondLst>
+                                        </p:cTn>
+                                        <p:tgtEl>
+                                          <p:spTgt spid="13"/>
+                                        </p:tgtEl>
+                                        <p:attrNameLst>
+                                          <p:attrName>style.visibility</p:attrName>
+                                        </p:attrNameLst>
+                                      </p:cBhvr>
+                                      <p:to>
+                                        <p:strVal val="visible"/>
+                                      </p:to>
+                                    </p:set>
+                                    <p:anim calcmode="lin" valueType="num">
+                                      <p:cBhvr additive="base">
+                                        <p:cTn id="15" dur="500" fill="hold"/>
+                                        <p:tgtEl>
+                                          <p:spTgt spid="13"/>
+                                        </p:tgtEl>
+                                        <p:attrNameLst>
+                                          <p:attrName>ppt_x</p:attrName>
+                                        </p:attrNameLst>
+                                      </p:cBhvr>
+                                      <p:tavLst>
+                                        <p:tav tm="0">
+                                          <p:val>
+                                            <p:strVal val="#ppt_x"/>
+                                          </p:val>
+                                        </p:tav>
+                                        <p:tav tm="100000">
+                                          <p:val>
+                                            <p:strVal val="#ppt_x"/>
+                                          </p:val>
+                                        </p:tav>
+                                      </p:tavLst>
+                                    </p:anim>
+                                    <p:anim calcmode="lin" valueType="num">
+                                      <p:cBhvr additive="base">
+                                        <p:cTn id="16" dur="500" fill="hold"/>
+                                        <p:tgtEl>
+                                          <p:spTgt spid="13"/>
+                                        </p:tgtEl>
+                                        <p:attrNameLst>
+                                          <p:attrName>ppt_y</p:attrName>
+                                        </p:attrNameLst>
+                                      </p:cBhvr>
+                                      <p:tavLst>
+                                        <p:tav tm="0">
+                                          <p:val>
+                                            <p:strVal val="1+#ppt_h/2"/>
+                                          </p:val>
+                                        </p:tav>
+                                        <p:tav tm="100000">
+                                          <p:val>
+                                            <p:strVal val="#ppt_y"/>
+                                          </p:val>
+                                        </p:tav>
+                                      </p:tavLst>
+                                    </p:anim>
+                                  </p:childTnLst>
+                                </p:cTn>
+                              </p:par>
+                              <p:par>
+                                <p:cTn id="17" presetID="10" presetClass="entr" presetSubtype="0" fill="hold" nodeType="withEffect">
+                                  <p:stCondLst>
+                                    <p:cond delay="0"/>
+                                  </p:stCondLst>
+                                  <p:childTnLst>
+                                    <p:set>
+                                      <p:cBhvr>
+                                        <p:cTn id="18" dur="1" fill="hold">
+                                          <p:stCondLst>
+                                            <p:cond delay="0"/>
+                                          </p:stCondLst>
+                                        </p:cTn>
+                                        <p:tgtEl>
+                                          <p:spTgt spid="13"/>
+                                        </p:tgtEl>
+                                        <p:attrNameLst>
+                                          <p:attrName>style.visibility</p:attrName>
+                                        </p:attrNameLst>
+                                      </p:cBhvr>
+                                      <p:to>
+                                        <p:strVal val="visible"/>
+                                      </p:to>
+                                    </p:set>
+                                    <p:animEffect transition="in" filter="fade">
+                                      <p:cBhvr>
+                                        <p:cTn id="19" dur="500"/>
+                                        <p:tgtEl>
+                                          <p:spTgt spid="13"/>
+                                        </p:tgtEl>
+                                      </p:cBhvr>
+                                    </p:animEffect>
+                                  </p:childTnLst>
+                                </p:cTn>
+                              </p:par>
+                            </p:childTnLst>
+                          </p:cTn>
+                        </p:par>
+                      </p:childTnLst>
+                    </p:cTn>
+                  </p:par>
+                </p:childTnLst>
+              </p:cTn>
+              <p:prevCondLst>
+                <p:cond evt="onPrev" delay="0">
+                  <p:tgtEl>
+                    <p:sldTgt/>
+                  </p:tgtEl>
+                </p:cond>
+              </p:prevCondLst>
+              <p:nextCondLst>
+                <p:cond evt="onNext" delay="0">
+                  <p:tgtEl>
+                    <p:sldTgt/>
+                  </p:tgtEl>
+                </p:cond>
+              </p:nextCondLst>
+            </p:seq>
+          </p:childTnLst>
+        </p:cTn>
+      </p:par>
+    </p:tnLst>
+  </p:timing>
+</p:sld>
+</file>
+
+<file path=ppt/slides/slide8.xml><?xml version="1.0" encoding="utf-8"?>
+<p:sld xmlns:a="http://schemas.openxmlformats.org/drawingml/2006/main" xmlns:r="http://schemas.openxmlformats.org/officeDocument/2006/relationships" xmlns:p="http://schemas.openxmlformats.org/presentationml/2006/main">
+  <p:cSld>
+    <p:spTree>
+      <p:nvGrpSpPr>
+        <p:cNvPr id="1" name="">
+          <a:extLst>
+            <a:ext uri="{FF2B5EF4-FFF2-40B4-BE49-F238E27FC236}">
+              <a16:creationId xmlns:a16="http://schemas.microsoft.com/office/drawing/2014/main" id="{FC87B1B9-0338-EA24-56FE-44776738890C}"/>
+            </a:ext>
+          </a:extLst>
+        </p:cNvPr>
+        <p:cNvGrpSpPr/>
+        <p:nvPr/>
+      </p:nvGrpSpPr>
+      <p:grpSpPr>
+        <a:xfrm>
+          <a:off x="0" y="0"/>
+          <a:ext cx="0" cy="0"/>
+          <a:chOff x="0" y="0"/>
+          <a:chExt cx="0" cy="0"/>
+        </a:xfrm>
+      </p:grpSpPr>
+      <p:sp>
+        <p:nvSpPr>
+          <p:cNvPr id="3" name="Title 2">
+            <a:extLst>
+              <a:ext uri="{FF2B5EF4-FFF2-40B4-BE49-F238E27FC236}">
+                <a16:creationId xmlns:a16="http://schemas.microsoft.com/office/drawing/2014/main" id="{7611370D-34AC-6937-B4E4-E4AC78518E72}"/>
+              </a:ext>
+            </a:extLst>
+          </p:cNvPr>
+          <p:cNvSpPr>
+            <a:spLocks noGrp="1"/>
+          </p:cNvSpPr>
+          <p:nvPr>
+            <p:ph type="title"/>
+          </p:nvPr>
+        </p:nvSpPr>
+        <p:spPr>
+          <a:xfrm>
+            <a:off x="0" y="371475"/>
+            <a:ext cx="12192000" cy="923330"/>
+          </a:xfrm>
+        </p:spPr>
+        <p:txBody>
+          <a:bodyPr wrap="square">
+            <a:spAutoFit/>
+          </a:bodyPr>
+          <a:lstStyle/>
+          <a:p>
+            <a:pPr algn="ctr"/>
+            <a:r>
+              <a:rPr lang="en-US" dirty="0"/>
               <a:t>RESULTS &amp; DEMO</a:t>
             </a:r>
             <a:endParaRPr lang="en-PK" dirty="0"/>
@@ -35422,7 +35918,7 @@
           <p:cNvPr id="4" name="Picture 3" descr="Aerial view of a lake&#10;&#10;AI-generated content may be incorrect.">
             <a:extLst>
               <a:ext uri="{FF2B5EF4-FFF2-40B4-BE49-F238E27FC236}">
-                <a16:creationId xmlns:a16="http://schemas.microsoft.com/office/drawing/2014/main" id="{D1ABE693-904A-BE6C-0938-B35D829A697C}"/>
+                <a16:creationId xmlns:a16="http://schemas.microsoft.com/office/drawing/2014/main" id="{D7A1D348-6421-300B-028B-4640625423C3}"/>
               </a:ext>
             </a:extLst>
           </p:cNvPr>
@@ -35458,7 +35954,7 @@
           <p:cNvPr id="7" name="Picture 6" descr="A satellite view of water and land&#10;&#10;AI-generated content may be incorrect.">
             <a:extLst>
               <a:ext uri="{FF2B5EF4-FFF2-40B4-BE49-F238E27FC236}">
-                <a16:creationId xmlns:a16="http://schemas.microsoft.com/office/drawing/2014/main" id="{E9535900-0291-193A-E5C8-86ACFCB65CB9}"/>
+                <a16:creationId xmlns:a16="http://schemas.microsoft.com/office/drawing/2014/main" id="{BCE6AF02-74D6-7CBB-6B75-9AC37EB46509}"/>
               </a:ext>
             </a:extLst>
           </p:cNvPr>
@@ -35494,7 +35990,7 @@
           <p:cNvPr id="8" name="TextBox 7">
             <a:extLst>
               <a:ext uri="{FF2B5EF4-FFF2-40B4-BE49-F238E27FC236}">
-                <a16:creationId xmlns:a16="http://schemas.microsoft.com/office/drawing/2014/main" id="{B60E4F0F-224A-9D29-86E2-79C2290D2903}"/>
+                <a16:creationId xmlns:a16="http://schemas.microsoft.com/office/drawing/2014/main" id="{6EFB5813-0D2A-C3A2-DC20-92FD27ACD990}"/>
               </a:ext>
             </a:extLst>
           </p:cNvPr>
@@ -35531,7 +36027,7 @@
           <p:cNvPr id="9" name="TextBox 8">
             <a:extLst>
               <a:ext uri="{FF2B5EF4-FFF2-40B4-BE49-F238E27FC236}">
-                <a16:creationId xmlns:a16="http://schemas.microsoft.com/office/drawing/2014/main" id="{3999942C-46BA-44F6-97D0-33CAE40C3F56}"/>
+                <a16:creationId xmlns:a16="http://schemas.microsoft.com/office/drawing/2014/main" id="{A6EB9934-6EA9-FC36-750B-6B2FEEABF1E1}"/>
               </a:ext>
             </a:extLst>
           </p:cNvPr>
@@ -35566,7 +36062,7 @@
     </p:spTree>
     <p:extLst>
       <p:ext uri="{BB962C8B-B14F-4D97-AF65-F5344CB8AC3E}">
-        <p14:creationId xmlns:p14="http://schemas.microsoft.com/office/powerpoint/2010/main" val="2552481721"/>
+        <p14:creationId xmlns:p14="http://schemas.microsoft.com/office/powerpoint/2010/main" val="1571821385"/>
       </p:ext>
     </p:extLst>
   </p:cSld>
@@ -35588,7 +36084,7 @@
 </p:sld>
 </file>
 
-<file path=ppt/slides/slide8.xml><?xml version="1.0" encoding="utf-8"?>
+<file path=ppt/slides/slide9.xml><?xml version="1.0" encoding="utf-8"?>
 <p:sld xmlns:a="http://schemas.openxmlformats.org/drawingml/2006/main" xmlns:r="http://schemas.openxmlformats.org/officeDocument/2006/relationships" xmlns:p="http://schemas.openxmlformats.org/presentationml/2006/main">
   <p:cSld>
     <p:spTree>
@@ -35656,13 +36152,13 @@
   <p:clrMapOvr>
     <a:masterClrMapping/>
   </p:clrMapOvr>
-  <mc:AlternateContent xmlns:mc="http://schemas.openxmlformats.org/markup-compatibility/2006">
-    <mc:Choice xmlns:p159="http://schemas.microsoft.com/office/powerpoint/2015/09/main" Requires="p159">
+  <mc:AlternateContent xmlns:mc="http://schemas.openxmlformats.org/markup-compatibility/2006" xmlns:p159="http://schemas.microsoft.com/office/powerpoint/2015/09/main">
+    <mc:Choice Requires="p159">
       <p:transition xmlns:p14="http://schemas.microsoft.com/office/powerpoint/2010/main" spd="slow" p14:dur="2000">
         <p159:morph option="byObject"/>
       </p:transition>
     </mc:Choice>
-    <mc:Fallback>
+    <mc:Fallback xmlns="">
       <p:transition spd="slow">
         <p:fade/>
       </p:transition>
